--- a/results/2020/January/finalreport.pptx
+++ b/results/2020/January/finalreport.pptx
@@ -2477,25 +2477,25 @@
           <a:p>
             <a:r>
               <a:rPr/>
-              <a:t>36 building permits in Central West End in January 2020</a:t>
+              <a:t>37 building permits in Central West End in January 2020</a:t>
             </a:r>
           </a:p>
           <a:p>
             <a:r>
               <a:rPr/>
-              <a:t>Inf change compared to January 2019 (0 total building permits)</a:t>
+              <a:t>-26.00% change compared to January 2019 (50 total building permits)</a:t>
             </a:r>
           </a:p>
           <a:p>
             <a:r>
               <a:rPr/>
-              <a:t>$1,783,365 : Average building permit cost in Central West End in January 2020</a:t>
+              <a:t>$2,091,923 : Average building permit cost in Central West End in January 2020</a:t>
             </a:r>
           </a:p>
           <a:p>
             <a:r>
               <a:rPr/>
-              <a:t>NaN change compared to January 2019 (NaN)</a:t>
+              <a:t>865.25% change compared to January 2019 ($216,724)</a:t>
             </a:r>
           </a:p>
         </p:txBody>
@@ -2574,25 +2574,25 @@
           <a:p>
             <a:r>
               <a:rPr/>
-              <a:t>36 total building permits in Central West End in 2020</a:t>
+              <a:t>37 total building permits in Central West End in 2020</a:t>
             </a:r>
           </a:p>
           <a:p>
             <a:r>
               <a:rPr/>
-              <a:t>Inf change compared to this time in 2019 (0 total building permits)</a:t>
+              <a:t>-26.00% change compared to this time in 2019 (50 total building permits)</a:t>
             </a:r>
           </a:p>
           <a:p>
             <a:r>
               <a:rPr/>
-              <a:t>$1,783,365 : Average building permit cost in Central West End in 2020</a:t>
+              <a:t>$2,091,923 : Average building permit cost in Central West End in 2020</a:t>
             </a:r>
           </a:p>
           <a:p>
             <a:r>
               <a:rPr/>
-              <a:t>NaN change compared to this time in 2019 (NaN)</a:t>
+              <a:t>865.25% change compared to this time in 2019 ($216,724)</a:t>
             </a:r>
           </a:p>
         </p:txBody>
@@ -3406,7 +3406,7 @@
                           <a:latin typeface="Arial"/>
                           <a:cs typeface="Arial"/>
                         </a:rPr>
-                        <a:t>$3,629,497</a:t>
+                        <a:t>$4,313,105</a:t>
                       </a:r>
                     </a:p>
                   </a:txBody>
@@ -3469,7 +3469,7 @@
                           <a:latin typeface="Arial"/>
                           <a:cs typeface="Arial"/>
                         </a:rPr>
-                        <a:t>13</a:t>
+                        <a:t>14</a:t>
                       </a:r>
                     </a:p>
                   </a:txBody>
@@ -3832,7 +3832,7 @@
           <a:p>
             <a:r>
               <a:rPr/>
-              <a:t>Inf change compared to January 2019 (0 total building permits)</a:t>
+              <a:t>-50.00% change compared to January 2019 (8 total building permits)</a:t>
             </a:r>
           </a:p>
           <a:p>
@@ -3844,7 +3844,7 @@
           <a:p>
             <a:r>
               <a:rPr/>
-              <a:t>NaN change compared to January 2019 (NaN)</a:t>
+              <a:t>17220.54% change compared to January 2019 ($26,050)</a:t>
             </a:r>
           </a:p>
         </p:txBody>
@@ -3929,7 +3929,7 @@
           <a:p>
             <a:r>
               <a:rPr/>
-              <a:t>Inf change compared to this time in 2019 (0 total building permits)</a:t>
+              <a:t>-50.00% change compared to this time in 2019 (8 total building permits)</a:t>
             </a:r>
           </a:p>
           <a:p>
@@ -3941,7 +3941,7 @@
           <a:p>
             <a:r>
               <a:rPr/>
-              <a:t>NaN change compared to this time in 2019 (NaN)</a:t>
+              <a:t>17220.54% change compared to this time in 2019 ($26,050)</a:t>
             </a:r>
           </a:p>
         </p:txBody>
@@ -5369,7 +5369,7 @@
                           <a:latin typeface="Arial"/>
                           <a:cs typeface="Arial"/>
                         </a:rPr>
-                        <a:t>CALHOUN, BARRY &amp; SHIRA SPETNER</a:t>
+                        <a:t>REDIGER, DOUGLAS HTRS</a:t>
                       </a:r>
                     </a:p>
                   </a:txBody>
@@ -5495,7 +5495,7 @@
                           <a:latin typeface="Arial"/>
                           <a:cs typeface="Arial"/>
                         </a:rPr>
-                        <a:t>$5,000</a:t>
+                        <a:t>$35,000</a:t>
                       </a:r>
                     </a:p>
                   </a:txBody>
@@ -5558,7 +5558,7 @@
                           <a:latin typeface="Arial"/>
                           <a:cs typeface="Arial"/>
                         </a:rPr>
-                        <a:t>10 WASHINGTON TER</a:t>
+                        <a:t>5373 LINDELL BLVD</a:t>
                       </a:r>
                     </a:p>
                   </a:txBody>
@@ -5623,7 +5623,7 @@
                           <a:latin typeface="Arial"/>
                           <a:cs typeface="Arial"/>
                         </a:rPr>
-                        <a:t>REDIGER, DOUGLAS HTRS</a:t>
+                        <a:t>KILAMANJARO V LLC</a:t>
                       </a:r>
                     </a:p>
                   </a:txBody>
@@ -5749,7 +5749,7 @@
                           <a:latin typeface="Arial"/>
                           <a:cs typeface="Arial"/>
                         </a:rPr>
-                        <a:t>$35,000</a:t>
+                        <a:t>$18,000,000</a:t>
                       </a:r>
                     </a:p>
                   </a:txBody>
@@ -5812,7 +5812,7 @@
                           <a:latin typeface="Arial"/>
                           <a:cs typeface="Arial"/>
                         </a:rPr>
-                        <a:t>5373 LINDELL BLVD</a:t>
+                        <a:t>5637 PERSHING AV</a:t>
                       </a:r>
                     </a:p>
                   </a:txBody>
@@ -5877,7 +5877,7 @@
                           <a:latin typeface="Arial"/>
                           <a:cs typeface="Arial"/>
                         </a:rPr>
-                        <a:t>KILAMANJARO V LLC</a:t>
+                        <a:t>CALHOUN, BARRY &amp; SHIRA SPETNER</a:t>
                       </a:r>
                     </a:p>
                   </a:txBody>
@@ -6003,7 +6003,7 @@
                           <a:latin typeface="Arial"/>
                           <a:cs typeface="Arial"/>
                         </a:rPr>
-                        <a:t>$18,000,000</a:t>
+                        <a:t>$5,000</a:t>
                       </a:r>
                     </a:p>
                   </a:txBody>
@@ -6066,7 +6066,7 @@
                           <a:latin typeface="Arial"/>
                           <a:cs typeface="Arial"/>
                         </a:rPr>
-                        <a:t>5637 PERSHING AV</a:t>
+                        <a:t>10 WASHINGTON TER</a:t>
                       </a:r>
                     </a:p>
                   </a:txBody>
@@ -6238,7 +6238,7 @@
           <a:p>
             <a:r>
               <a:rPr/>
-              <a:t>Inf change compared to January 2019 (0 total building permits)</a:t>
+              <a:t>16.67% change compared to January 2019 (6 total building permits)</a:t>
             </a:r>
           </a:p>
           <a:p>
@@ -6250,7 +6250,7 @@
           <a:p>
             <a:r>
               <a:rPr/>
-              <a:t>NaN change compared to January 2019 (NaN)</a:t>
+              <a:t>-19.31% change compared to January 2019 ($34,170)</a:t>
             </a:r>
           </a:p>
         </p:txBody>
@@ -6335,7 +6335,7 @@
           <a:p>
             <a:r>
               <a:rPr/>
-              <a:t>Inf change compared to this time in 2019 (0 total building permits)</a:t>
+              <a:t>16.67% change compared to this time in 2019 (6 total building permits)</a:t>
             </a:r>
           </a:p>
           <a:p>
@@ -6347,7 +6347,7 @@
           <a:p>
             <a:r>
               <a:rPr/>
-              <a:t>NaN change compared to this time in 2019 (NaN)</a:t>
+              <a:t>-19.31% change compared to this time in 2019 ($34,170)</a:t>
             </a:r>
           </a:p>
         </p:txBody>
@@ -7430,7 +7430,7 @@
                           <a:latin typeface="Arial"/>
                           <a:cs typeface="Arial"/>
                         </a:rPr>
-                        <a:t>WASHINGTON UNIVERSITY ART BUILDING</a:t>
+                        <a:t>DEE, MICHAEL PATRICK &amp;</a:t>
                       </a:r>
                     </a:p>
                   </a:txBody>
@@ -7493,7 +7493,7 @@
                           <a:latin typeface="Arial"/>
                           <a:cs typeface="Arial"/>
                         </a:rPr>
-                        <a:t>Institutional</a:t>
+                        <a:t>Residential</a:t>
                       </a:r>
                     </a:p>
                   </a:txBody>
@@ -7556,7 +7556,7 @@
                           <a:latin typeface="Arial"/>
                           <a:cs typeface="Arial"/>
                         </a:rPr>
-                        <a:t>$10,000</a:t>
+                        <a:t>$76,500</a:t>
                       </a:r>
                     </a:p>
                   </a:txBody>
@@ -7619,7 +7619,7 @@
                           <a:latin typeface="Arial"/>
                           <a:cs typeface="Arial"/>
                         </a:rPr>
-                        <a:t>6220 FOREST PARK PARKWAY</a:t>
+                        <a:t>6232 MCPHERSON AV</a:t>
                       </a:r>
                     </a:p>
                   </a:txBody>
@@ -7684,7 +7684,7 @@
                           <a:latin typeface="Arial"/>
                           <a:cs typeface="Arial"/>
                         </a:rPr>
-                        <a:t>DEE, MICHAEL PATRICK &amp;</a:t>
+                        <a:t>HOFFMAN, CHERI L</a:t>
                       </a:r>
                     </a:p>
                   </a:txBody>
@@ -7810,7 +7810,7 @@
                           <a:latin typeface="Arial"/>
                           <a:cs typeface="Arial"/>
                         </a:rPr>
-                        <a:t>$76,500</a:t>
+                        <a:t>$27,000</a:t>
                       </a:r>
                     </a:p>
                   </a:txBody>
@@ -7873,7 +7873,7 @@
                           <a:latin typeface="Arial"/>
                           <a:cs typeface="Arial"/>
                         </a:rPr>
-                        <a:t>6232 MCPHERSON AV</a:t>
+                        <a:t>6211 WESTMINSTER PL</a:t>
                       </a:r>
                     </a:p>
                   </a:txBody>
@@ -7938,7 +7938,7 @@
                           <a:latin typeface="Arial"/>
                           <a:cs typeface="Arial"/>
                         </a:rPr>
-                        <a:t>HOFFMAN, CHERI L</a:t>
+                        <a:t>WELCH, MARGARET &amp; MARY LOU</a:t>
                       </a:r>
                     </a:p>
                   </a:txBody>
@@ -8064,7 +8064,7 @@
                           <a:latin typeface="Arial"/>
                           <a:cs typeface="Arial"/>
                         </a:rPr>
-                        <a:t>$27,000</a:t>
+                        <a:t>$17,500</a:t>
                       </a:r>
                     </a:p>
                   </a:txBody>
@@ -8127,7 +8127,7 @@
                           <a:latin typeface="Arial"/>
                           <a:cs typeface="Arial"/>
                         </a:rPr>
-                        <a:t>6211 WESTMINSTER PL</a:t>
+                        <a:t>6189 KINGSBURY AV</a:t>
                       </a:r>
                     </a:p>
                   </a:txBody>
@@ -8192,7 +8192,7 @@
                           <a:latin typeface="Arial"/>
                           <a:cs typeface="Arial"/>
                         </a:rPr>
-                        <a:t>WELCH, MARGARET &amp; MARY LOU</a:t>
+                        <a:t>WASHINGTON UNIVERSITY ART BUILDING</a:t>
                       </a:r>
                     </a:p>
                   </a:txBody>
@@ -8255,7 +8255,7 @@
                           <a:latin typeface="Arial"/>
                           <a:cs typeface="Arial"/>
                         </a:rPr>
-                        <a:t>Residential</a:t>
+                        <a:t>Institutional</a:t>
                       </a:r>
                     </a:p>
                   </a:txBody>
@@ -8318,7 +8318,7 @@
                           <a:latin typeface="Arial"/>
                           <a:cs typeface="Arial"/>
                         </a:rPr>
-                        <a:t>$17,500</a:t>
+                        <a:t>$10,000</a:t>
                       </a:r>
                     </a:p>
                   </a:txBody>
@@ -8381,7 +8381,7 @@
                           <a:latin typeface="Arial"/>
                           <a:cs typeface="Arial"/>
                         </a:rPr>
-                        <a:t>6189 KINGSBURY AV</a:t>
+                        <a:t>6220 FOREST PARK PARKWAY</a:t>
                       </a:r>
                     </a:p>
                   </a:txBody>
@@ -9315,7 +9315,7 @@
           <a:p>
             <a:r>
               <a:rPr/>
-              <a:t>Inf change compared to January 2019 (0 total building permits)</a:t>
+              <a:t>150.00% change compared to January 2019 (4 total building permits)</a:t>
             </a:r>
           </a:p>
           <a:p>
@@ -9327,7 +9327,7 @@
           <a:p>
             <a:r>
               <a:rPr/>
-              <a:t>NaN change compared to January 2019 (NaN)</a:t>
+              <a:t>-97.49% change compared to January 2019 ($318,350)</a:t>
             </a:r>
           </a:p>
         </p:txBody>
@@ -9412,7 +9412,7 @@
           <a:p>
             <a:r>
               <a:rPr/>
-              <a:t>Inf change compared to this time in 2019 (0 total building permits)</a:t>
+              <a:t>150.00% change compared to this time in 2019 (4 total building permits)</a:t>
             </a:r>
           </a:p>
           <a:p>
@@ -9424,7 +9424,7 @@
           <a:p>
             <a:r>
               <a:rPr/>
-              <a:t>NaN change compared to this time in 2019 (NaN)</a:t>
+              <a:t>-97.49% change compared to this time in 2019 ($318,350)</a:t>
             </a:r>
           </a:p>
         </p:txBody>
@@ -12740,7 +12740,7 @@
                           <a:latin typeface="Arial"/>
                           <a:cs typeface="Arial"/>
                         </a:rPr>
-                        <a:t>$32,000</a:t>
+                        <a:t>$10,000</a:t>
                       </a:r>
                     </a:p>
                   </a:txBody>
@@ -12803,7 +12803,7 @@
                           <a:latin typeface="Arial"/>
                           <a:cs typeface="Arial"/>
                         </a:rPr>
-                        <a:t>6211 DELMAR BLVD</a:t>
+                        <a:t>621 N SKINKER BLVD</a:t>
                       </a:r>
                     </a:p>
                   </a:txBody>
@@ -12994,7 +12994,7 @@
                           <a:latin typeface="Arial"/>
                           <a:cs typeface="Arial"/>
                         </a:rPr>
-                        <a:t>$10,000</a:t>
+                        <a:t>$32,000</a:t>
                       </a:r>
                     </a:p>
                   </a:txBody>
@@ -13057,7 +13057,7 @@
                           <a:latin typeface="Arial"/>
                           <a:cs typeface="Arial"/>
                         </a:rPr>
-                        <a:t>621 N SKINKER BLVD</a:t>
+                        <a:t>6211 DELMAR BLVD</a:t>
                       </a:r>
                     </a:p>
                   </a:txBody>
@@ -13423,7 +13423,7 @@
           <a:p>
             <a:r>
               <a:rPr/>
-              <a:t>Inf change compared to January 2019 (0 total building permits)</a:t>
+              <a:t>100.00% change compared to January 2019 (3 total building permits)</a:t>
             </a:r>
           </a:p>
           <a:p>
@@ -13435,7 +13435,7 @@
           <a:p>
             <a:r>
               <a:rPr/>
-              <a:t>NaN change compared to January 2019 (NaN)</a:t>
+              <a:t>-8.12% change compared to January 2019 ($93,405)</a:t>
             </a:r>
           </a:p>
         </p:txBody>
@@ -13520,7 +13520,7 @@
           <a:p>
             <a:r>
               <a:rPr/>
-              <a:t>Inf change compared to this time in 2019 (0 total building permits)</a:t>
+              <a:t>100.00% change compared to this time in 2019 (3 total building permits)</a:t>
             </a:r>
           </a:p>
           <a:p>
@@ -13532,7 +13532,7 @@
           <a:p>
             <a:r>
               <a:rPr/>
-              <a:t>NaN change compared to this time in 2019 (NaN)</a:t>
+              <a:t>-8.12% change compared to this time in 2019 ($93,405)</a:t>
             </a:r>
           </a:p>
         </p:txBody>
@@ -14805,7 +14805,7 @@
                           <a:latin typeface="Arial"/>
                           <a:cs typeface="Arial"/>
                         </a:rPr>
-                        <a:t>$1,783,365</a:t>
+                        <a:t>$2,091,923</a:t>
                       </a:r>
                     </a:p>
                   </a:txBody>
@@ -14868,7 +14868,7 @@
                           <a:latin typeface="Arial"/>
                           <a:cs typeface="Arial"/>
                         </a:rPr>
-                        <a:t>36</a:t>
+                        <a:t>37</a:t>
                       </a:r>
                     </a:p>
                   </a:txBody>
@@ -17427,7 +17427,7 @@
                           <a:latin typeface="Arial"/>
                           <a:cs typeface="Arial"/>
                         </a:rPr>
-                        <a:t>ELDER, O TERRY</a:t>
+                        <a:t>LAVINCENT HOOKER</a:t>
                       </a:r>
                     </a:p>
                   </a:txBody>
@@ -18042,7 +18042,7 @@
           <a:p>
             <a:r>
               <a:rPr/>
-              <a:t>NaN change compared to January 2019 (0 total building permits)</a:t>
+              <a:t>-100.00% change compared to January 2019 (1 total building permits)</a:t>
             </a:r>
           </a:p>
           <a:p>
@@ -18054,7 +18054,7 @@
           <a:p>
             <a:r>
               <a:rPr/>
-              <a:t>NaN change compared to January 2019 (NaN)</a:t>
+              <a:t>NaN change compared to January 2019 ($500)</a:t>
             </a:r>
           </a:p>
         </p:txBody>
@@ -18139,7 +18139,7 @@
           <a:p>
             <a:r>
               <a:rPr/>
-              <a:t>NaN change compared to this time in 2019 (0 total building permits)</a:t>
+              <a:t>-100.00% change compared to this time in 2019 (1 total building permits)</a:t>
             </a:r>
           </a:p>
           <a:p>
@@ -18151,7 +18151,7 @@
           <a:p>
             <a:r>
               <a:rPr/>
-              <a:t>NaN change compared to this time in 2019 (NaN)</a:t>
+              <a:t>NaN change compared to this time in 2019 ($500)</a:t>
             </a:r>
           </a:p>
         </p:txBody>
@@ -18236,7 +18236,7 @@
           <a:p>
             <a:r>
               <a:rPr/>
-              <a:t>Inf change compared to January 2019 (0 total building permits)</a:t>
+              <a:t>-50.00% change compared to January 2019 (2 total building permits)</a:t>
             </a:r>
           </a:p>
           <a:p>
@@ -18248,7 +18248,7 @@
           <a:p>
             <a:r>
               <a:rPr/>
-              <a:t>NaN change compared to January 2019 (NaN)</a:t>
+              <a:t>-73.68% change compared to January 2019 ($9,500)</a:t>
             </a:r>
           </a:p>
         </p:txBody>
@@ -18333,7 +18333,7 @@
           <a:p>
             <a:r>
               <a:rPr/>
-              <a:t>Inf change compared to this time in 2019 (0 total building permits)</a:t>
+              <a:t>-50.00% change compared to this time in 2019 (2 total building permits)</a:t>
             </a:r>
           </a:p>
           <a:p>
@@ -18345,7 +18345,7 @@
           <a:p>
             <a:r>
               <a:rPr/>
-              <a:t>NaN change compared to this time in 2019 (NaN)</a:t>
+              <a:t>-73.68% change compared to this time in 2019 ($9,500)</a:t>
             </a:r>
           </a:p>
         </p:txBody>
@@ -19598,7 +19598,7 @@
           <a:p>
             <a:r>
               <a:rPr/>
-              <a:t>Inf change compared to January 2019 (0 total building permits)</a:t>
+              <a:t>-35.71% change compared to January 2019 (14 total building permits)</a:t>
             </a:r>
           </a:p>
           <a:p>
@@ -19610,7 +19610,7 @@
           <a:p>
             <a:r>
               <a:rPr/>
-              <a:t>NaN change compared to January 2019 (NaN)</a:t>
+              <a:t>-70.77% change compared to January 2019 ($150,583)</a:t>
             </a:r>
           </a:p>
         </p:txBody>
@@ -19695,7 +19695,7 @@
           <a:p>
             <a:r>
               <a:rPr/>
-              <a:t>Inf change compared to January 2019 (0 total building permits)</a:t>
+              <a:t>-50.00% change compared to January 2019 (4 total building permits)</a:t>
             </a:r>
           </a:p>
           <a:p>
@@ -19707,7 +19707,7 @@
           <a:p>
             <a:r>
               <a:rPr/>
-              <a:t>NaN change compared to January 2019 (NaN)</a:t>
+              <a:t>391.25% change compared to January 2019 ($20,865)</a:t>
             </a:r>
           </a:p>
         </p:txBody>
@@ -19792,7 +19792,7 @@
           <a:p>
             <a:r>
               <a:rPr/>
-              <a:t>Inf change compared to this time in 2019 (0 total building permits)</a:t>
+              <a:t>-50.00% change compared to this time in 2019 (4 total building permits)</a:t>
             </a:r>
           </a:p>
           <a:p>
@@ -19804,7 +19804,7 @@
           <a:p>
             <a:r>
               <a:rPr/>
-              <a:t>NaN change compared to this time in 2019 (NaN)</a:t>
+              <a:t>391.25% change compared to this time in 2019 ($20,865)</a:t>
             </a:r>
           </a:p>
         </p:txBody>
@@ -21502,7 +21502,7 @@
           <a:p>
             <a:r>
               <a:rPr/>
-              <a:t>Inf change compared to this time in 2019 (0 total building permits)</a:t>
+              <a:t>-35.71% change compared to this time in 2019 (14 total building permits)</a:t>
             </a:r>
           </a:p>
           <a:p>
@@ -21514,7 +21514,7 @@
           <a:p>
             <a:r>
               <a:rPr/>
-              <a:t>NaN change compared to this time in 2019 (NaN)</a:t>
+              <a:t>-70.77% change compared to this time in 2019 ($150,583)</a:t>
             </a:r>
           </a:p>
         </p:txBody>
@@ -23550,7 +23550,7 @@
                           <a:latin typeface="Arial"/>
                           <a:cs typeface="Arial"/>
                         </a:rPr>
-                        <a:t>TISOTO, JEFFREY &amp; LYNNE</a:t>
+                        <a:t>WASHINGTON UNIVERSITY</a:t>
                       </a:r>
                     </a:p>
                   </a:txBody>
@@ -23613,7 +23613,7 @@
                           <a:latin typeface="Arial"/>
                           <a:cs typeface="Arial"/>
                         </a:rPr>
-                        <a:t>Commercial</a:t>
+                        <a:t>Institutional</a:t>
                       </a:r>
                     </a:p>
                   </a:txBody>
@@ -23676,7 +23676,7 @@
                           <a:latin typeface="Arial"/>
                           <a:cs typeface="Arial"/>
                         </a:rPr>
-                        <a:t>$15,000</a:t>
+                        <a:t>$64,145</a:t>
                       </a:r>
                     </a:p>
                   </a:txBody>
@@ -23739,7 +23739,7 @@
                           <a:latin typeface="Arial"/>
                           <a:cs typeface="Arial"/>
                         </a:rPr>
-                        <a:t>4523 GIBSON AV</a:t>
+                        <a:t>1234 S KINGSHIGHWAY BLVD</a:t>
                       </a:r>
                     </a:p>
                   </a:txBody>
@@ -23804,7 +23804,7 @@
                           <a:latin typeface="Arial"/>
                           <a:cs typeface="Arial"/>
                         </a:rPr>
-                        <a:t>WASHINGTON UNIVERSITY</a:t>
+                        <a:t>TISOTO, JEFFREY &amp; LYNNE</a:t>
                       </a:r>
                     </a:p>
                   </a:txBody>
@@ -23867,7 +23867,7 @@
                           <a:latin typeface="Arial"/>
                           <a:cs typeface="Arial"/>
                         </a:rPr>
-                        <a:t>Institutional</a:t>
+                        <a:t>Commercial</a:t>
                       </a:r>
                     </a:p>
                   </a:txBody>
@@ -23930,7 +23930,7 @@
                           <a:latin typeface="Arial"/>
                           <a:cs typeface="Arial"/>
                         </a:rPr>
-                        <a:t>$64,145</a:t>
+                        <a:t>$15,000</a:t>
                       </a:r>
                     </a:p>
                   </a:txBody>
@@ -23993,7 +23993,7 @@
                           <a:latin typeface="Arial"/>
                           <a:cs typeface="Arial"/>
                         </a:rPr>
-                        <a:t>1234 S KINGSHIGHWAY BLVD</a:t>
+                        <a:t>4523 GIBSON AV</a:t>
                       </a:r>
                     </a:p>
                   </a:txBody>

--- a/results/2020/January/finalreport.pptx
+++ b/results/2020/January/finalreport.pptx
@@ -2624,12 +2624,12 @@
       </p:grpSpPr>
       <p:pic xmlns:a="http://schemas.openxmlformats.org/drawingml/2006/main" xmlns:r="http://schemas.openxmlformats.org/officeDocument/2006/relationships" xmlns:p="http://schemas.openxmlformats.org/presentationml/2006/main">
         <p:nvPicPr>
-          <p:cNvPr id="2" name=""/>
+          <p:cNvPr id="2" name="Title 1"/>
           <p:cNvPicPr>
             <a:picLocks noGrp="1"/>
           </p:cNvPicPr>
           <p:nvPr>
-            <p:ph/>
+            <p:ph type="title"/>
           </p:nvPr>
         </p:nvPicPr>
         <p:blipFill>
@@ -2640,8 +2640,8 @@
         </p:blipFill>
         <p:spPr>
           <a:xfrm>
-            <a:off x="0" y="0"/>
-            <a:ext cx="9144000" cy="6858000"/>
+            <a:off x="457200" y="274638"/>
+            <a:ext cx="8686800" cy="6858000"/>
           </a:xfrm>
         </p:spPr>
       </p:pic>
@@ -3973,12 +3973,12 @@
       </p:grpSpPr>
       <p:pic xmlns:a="http://schemas.openxmlformats.org/drawingml/2006/main" xmlns:r="http://schemas.openxmlformats.org/officeDocument/2006/relationships" xmlns:p="http://schemas.openxmlformats.org/presentationml/2006/main">
         <p:nvPicPr>
-          <p:cNvPr id="2" name=""/>
+          <p:cNvPr id="2" name="Title 1"/>
           <p:cNvPicPr>
             <a:picLocks noGrp="1"/>
           </p:cNvPicPr>
           <p:nvPr>
-            <p:ph/>
+            <p:ph type="title"/>
           </p:nvPr>
         </p:nvPicPr>
         <p:blipFill>
@@ -3989,8 +3989,8 @@
         </p:blipFill>
         <p:spPr>
           <a:xfrm>
-            <a:off x="0" y="0"/>
-            <a:ext cx="9144000" cy="6858000"/>
+            <a:off x="457200" y="274638"/>
+            <a:ext cx="6373368" cy="6858000"/>
           </a:xfrm>
         </p:spPr>
       </p:pic>
@@ -9531,12 +9531,12 @@
       </p:grpSpPr>
       <p:pic xmlns:a="http://schemas.openxmlformats.org/drawingml/2006/main" xmlns:r="http://schemas.openxmlformats.org/officeDocument/2006/relationships" xmlns:p="http://schemas.openxmlformats.org/presentationml/2006/main">
         <p:nvPicPr>
-          <p:cNvPr id="2" name=""/>
+          <p:cNvPr id="2" name="Title 1"/>
           <p:cNvPicPr>
             <a:picLocks noGrp="1"/>
           </p:cNvPicPr>
           <p:nvPr>
-            <p:ph/>
+            <p:ph type="title"/>
           </p:nvPr>
         </p:nvPicPr>
         <p:blipFill>
@@ -9547,8 +9547,8 @@
         </p:blipFill>
         <p:spPr>
           <a:xfrm>
-            <a:off x="0" y="0"/>
-            <a:ext cx="9144000" cy="6858000"/>
+            <a:off x="457200" y="274638"/>
+            <a:ext cx="8686800" cy="6858000"/>
           </a:xfrm>
         </p:spPr>
       </p:pic>
@@ -13564,12 +13564,12 @@
       </p:grpSpPr>
       <p:pic xmlns:a="http://schemas.openxmlformats.org/drawingml/2006/main" xmlns:r="http://schemas.openxmlformats.org/officeDocument/2006/relationships" xmlns:p="http://schemas.openxmlformats.org/presentationml/2006/main">
         <p:nvPicPr>
-          <p:cNvPr id="2" name=""/>
+          <p:cNvPr id="2" name="Title 1"/>
           <p:cNvPicPr>
             <a:picLocks noGrp="1"/>
           </p:cNvPicPr>
           <p:nvPr>
-            <p:ph/>
+            <p:ph type="title"/>
           </p:nvPr>
         </p:nvPicPr>
         <p:blipFill>
@@ -13580,8 +13580,8 @@
         </p:blipFill>
         <p:spPr>
           <a:xfrm>
-            <a:off x="0" y="0"/>
-            <a:ext cx="9144000" cy="6858000"/>
+            <a:off x="457200" y="274638"/>
+            <a:ext cx="4764024" cy="6858000"/>
           </a:xfrm>
         </p:spPr>
       </p:pic>
@@ -18377,12 +18377,12 @@
       </p:grpSpPr>
       <p:pic xmlns:a="http://schemas.openxmlformats.org/drawingml/2006/main" xmlns:r="http://schemas.openxmlformats.org/officeDocument/2006/relationships" xmlns:p="http://schemas.openxmlformats.org/presentationml/2006/main">
         <p:nvPicPr>
-          <p:cNvPr id="2" name=""/>
+          <p:cNvPr id="2" name="Title 1"/>
           <p:cNvPicPr>
             <a:picLocks noGrp="1"/>
           </p:cNvPicPr>
           <p:nvPr>
-            <p:ph/>
+            <p:ph type="title"/>
           </p:nvPr>
         </p:nvPicPr>
         <p:blipFill>
@@ -18393,8 +18393,8 @@
         </p:blipFill>
         <p:spPr>
           <a:xfrm>
-            <a:off x="0" y="0"/>
-            <a:ext cx="9144000" cy="6858000"/>
+            <a:off x="457200" y="274638"/>
+            <a:ext cx="5650992" cy="6858000"/>
           </a:xfrm>
         </p:spPr>
       </p:pic>
@@ -19836,12 +19836,12 @@
       </p:grpSpPr>
       <p:pic xmlns:a="http://schemas.openxmlformats.org/drawingml/2006/main" xmlns:r="http://schemas.openxmlformats.org/officeDocument/2006/relationships" xmlns:p="http://schemas.openxmlformats.org/presentationml/2006/main">
         <p:nvPicPr>
-          <p:cNvPr id="2" name=""/>
+          <p:cNvPr id="2" name="Title 1"/>
           <p:cNvPicPr>
             <a:picLocks noGrp="1"/>
           </p:cNvPicPr>
           <p:nvPr>
-            <p:ph/>
+            <p:ph type="title"/>
           </p:nvPr>
         </p:nvPicPr>
         <p:blipFill>
@@ -19852,8 +19852,8 @@
         </p:blipFill>
         <p:spPr>
           <a:xfrm>
-            <a:off x="0" y="0"/>
-            <a:ext cx="9144000" cy="6858000"/>
+            <a:off x="457200" y="274638"/>
+            <a:ext cx="7562088" cy="6858000"/>
           </a:xfrm>
         </p:spPr>
       </p:pic>
@@ -21546,12 +21546,12 @@
       </p:grpSpPr>
       <p:pic xmlns:a="http://schemas.openxmlformats.org/drawingml/2006/main" xmlns:r="http://schemas.openxmlformats.org/officeDocument/2006/relationships" xmlns:p="http://schemas.openxmlformats.org/presentationml/2006/main">
         <p:nvPicPr>
-          <p:cNvPr id="2" name=""/>
+          <p:cNvPr id="2" name="Title 1"/>
           <p:cNvPicPr>
             <a:picLocks noGrp="1"/>
           </p:cNvPicPr>
           <p:nvPr>
-            <p:ph/>
+            <p:ph type="title"/>
           </p:nvPr>
         </p:nvPicPr>
         <p:blipFill>
@@ -21562,8 +21562,8 @@
         </p:blipFill>
         <p:spPr>
           <a:xfrm>
-            <a:off x="0" y="0"/>
-            <a:ext cx="9144000" cy="6858000"/>
+            <a:off x="457200" y="274638"/>
+            <a:ext cx="8449056" cy="6830568"/>
           </a:xfrm>
         </p:spPr>
       </p:pic>

--- a/results/2020/January/finalreport.pptx
+++ b/results/2020/January/finalreport.pptx
@@ -2382,12 +2382,12 @@
       </p:grpSpPr>
       <p:pic xmlns:a="http://schemas.openxmlformats.org/drawingml/2006/main" xmlns:r="http://schemas.openxmlformats.org/officeDocument/2006/relationships" xmlns:p="http://schemas.openxmlformats.org/presentationml/2006/main">
         <p:nvPicPr>
-          <p:cNvPr id="2" name=""/>
+          <p:cNvPr id="2" name="Content Placeholder 2"/>
           <p:cNvPicPr>
             <a:picLocks noGrp="1"/>
           </p:cNvPicPr>
           <p:nvPr>
-            <p:ph/>
+            <p:ph idx="1"/>
           </p:nvPr>
         </p:nvPicPr>
         <p:blipFill>
@@ -2398,11 +2398,38 @@
         </p:blipFill>
         <p:spPr>
           <a:xfrm>
-            <a:off x="0" y="0"/>
-            <a:ext cx="9144000" cy="6858000"/>
+            <a:off x="457200" y="1600200"/>
+            <a:ext cx="4983480" cy="4983480"/>
           </a:xfrm>
         </p:spPr>
       </p:pic>
+      <p:sp xmlns:a="http://schemas.openxmlformats.org/drawingml/2006/main" xmlns:r="http://schemas.openxmlformats.org/officeDocument/2006/relationships" xmlns:p="http://schemas.openxmlformats.org/presentationml/2006/main">
+        <p:nvSpPr>
+          <p:cNvPr id="3" name="Title 1"/>
+          <p:cNvSpPr>
+            <a:spLocks noGrp="1"/>
+          </p:cNvSpPr>
+          <p:nvPr>
+            <p:ph type="title"/>
+          </p:nvPr>
+        </p:nvSpPr>
+        <p:spPr>
+          <a:xfrm>
+            <a:off x="457200" y="274638"/>
+            <a:ext cx="8229600" cy="1143000"/>
+          </a:xfrm>
+        </p:spPr>
+        <p:txBody>
+          <a:bodyPr/>
+          <a:lstStyle/>
+          <a:p>
+            <a:r>
+              <a:rPr/>
+              <a:t>Forest Park Southeast High Cost Permits</a:t>
+            </a:r>
+          </a:p>
+        </p:txBody>
+      </p:sp>
     </p:spTree>
   </p:cSld>
   <p:clrMapOvr>
@@ -3729,14 +3756,41 @@
           <a:chExt cx="0" cy="0"/>
         </a:xfrm>
       </p:grpSpPr>
+      <p:sp xmlns:a="http://schemas.openxmlformats.org/drawingml/2006/main" xmlns:r="http://schemas.openxmlformats.org/officeDocument/2006/relationships" xmlns:p="http://schemas.openxmlformats.org/presentationml/2006/main">
+        <p:nvSpPr>
+          <p:cNvPr id="2" name="Title 1"/>
+          <p:cNvSpPr>
+            <a:spLocks noGrp="1"/>
+          </p:cNvSpPr>
+          <p:nvPr>
+            <p:ph type="title"/>
+          </p:nvPr>
+        </p:nvSpPr>
+        <p:spPr>
+          <a:xfrm>
+            <a:off x="457200" y="274638"/>
+            <a:ext cx="8229600" cy="1143000"/>
+          </a:xfrm>
+        </p:spPr>
+        <p:txBody>
+          <a:bodyPr/>
+          <a:lstStyle/>
+          <a:p>
+            <a:r>
+              <a:rPr/>
+              <a:t>Cental West End High Cost Permits</a:t>
+            </a:r>
+          </a:p>
+        </p:txBody>
+      </p:sp>
       <p:pic xmlns:a="http://schemas.openxmlformats.org/drawingml/2006/main" xmlns:r="http://schemas.openxmlformats.org/officeDocument/2006/relationships" xmlns:p="http://schemas.openxmlformats.org/presentationml/2006/main">
         <p:nvPicPr>
-          <p:cNvPr id="2" name=""/>
+          <p:cNvPr id="3" name="Content Placeholder 2"/>
           <p:cNvPicPr>
             <a:picLocks noGrp="1"/>
           </p:cNvPicPr>
           <p:nvPr>
-            <p:ph/>
+            <p:ph idx="1"/>
           </p:nvPr>
         </p:nvPicPr>
         <p:blipFill>
@@ -3747,8 +3801,8 @@
         </p:blipFill>
         <p:spPr>
           <a:xfrm>
-            <a:off x="0" y="0"/>
-            <a:ext cx="9144000" cy="6858000"/>
+            <a:off x="457200" y="1600200"/>
+            <a:ext cx="4983480" cy="4983480"/>
           </a:xfrm>
         </p:spPr>
       </p:pic>
@@ -4760,6 +4814,12 @@
               <a:t>Building permits that were cancelled were dropped</a:t>
             </a:r>
           </a:p>
+          <a:p>
+            <a:r>
+              <a:rPr/>
+              <a:t>Infinite change indicates 0 permits in the current or previous time period/comparison month so there was a overall increase or decrease</a:t>
+            </a:r>
+          </a:p>
         </p:txBody>
       </p:sp>
     </p:spTree>
@@ -6135,14 +6195,41 @@
           <a:chExt cx="0" cy="0"/>
         </a:xfrm>
       </p:grpSpPr>
+      <p:sp xmlns:a="http://schemas.openxmlformats.org/drawingml/2006/main" xmlns:r="http://schemas.openxmlformats.org/officeDocument/2006/relationships" xmlns:p="http://schemas.openxmlformats.org/presentationml/2006/main">
+        <p:nvSpPr>
+          <p:cNvPr id="2" name="Title 1"/>
+          <p:cNvSpPr>
+            <a:spLocks noGrp="1"/>
+          </p:cNvSpPr>
+          <p:nvPr>
+            <p:ph type="title"/>
+          </p:nvPr>
+        </p:nvSpPr>
+        <p:spPr>
+          <a:xfrm>
+            <a:off x="457200" y="274638"/>
+            <a:ext cx="8229600" cy="1143000"/>
+          </a:xfrm>
+        </p:spPr>
+        <p:txBody>
+          <a:bodyPr/>
+          <a:lstStyle/>
+          <a:p>
+            <a:r>
+              <a:rPr/>
+              <a:t>DeBaliviere Place High Cost Permits</a:t>
+            </a:r>
+          </a:p>
+        </p:txBody>
+      </p:sp>
       <p:pic xmlns:a="http://schemas.openxmlformats.org/drawingml/2006/main" xmlns:r="http://schemas.openxmlformats.org/officeDocument/2006/relationships" xmlns:p="http://schemas.openxmlformats.org/presentationml/2006/main">
         <p:nvPicPr>
-          <p:cNvPr id="2" name=""/>
+          <p:cNvPr id="3" name="Content Placeholder 2"/>
           <p:cNvPicPr>
             <a:picLocks noGrp="1"/>
           </p:cNvPicPr>
           <p:nvPr>
-            <p:ph/>
+            <p:ph idx="1"/>
           </p:nvPr>
         </p:nvPicPr>
         <p:blipFill>
@@ -6153,8 +6240,8 @@
         </p:blipFill>
         <p:spPr>
           <a:xfrm>
-            <a:off x="0" y="0"/>
-            <a:ext cx="9144000" cy="6858000"/>
+            <a:off x="457200" y="1600200"/>
+            <a:ext cx="4983480" cy="4983480"/>
           </a:xfrm>
         </p:spPr>
       </p:pic>
@@ -9212,14 +9299,41 @@
           <a:chExt cx="0" cy="0"/>
         </a:xfrm>
       </p:grpSpPr>
+      <p:sp xmlns:a="http://schemas.openxmlformats.org/drawingml/2006/main" xmlns:r="http://schemas.openxmlformats.org/officeDocument/2006/relationships" xmlns:p="http://schemas.openxmlformats.org/presentationml/2006/main">
+        <p:nvSpPr>
+          <p:cNvPr id="2" name="Title 1"/>
+          <p:cNvSpPr>
+            <a:spLocks noGrp="1"/>
+          </p:cNvSpPr>
+          <p:nvPr>
+            <p:ph type="title"/>
+          </p:nvPr>
+        </p:nvSpPr>
+        <p:spPr>
+          <a:xfrm>
+            <a:off x="457200" y="274638"/>
+            <a:ext cx="8229600" cy="1143000"/>
+          </a:xfrm>
+        </p:spPr>
+        <p:txBody>
+          <a:bodyPr/>
+          <a:lstStyle/>
+          <a:p>
+            <a:r>
+              <a:rPr/>
+              <a:t>Skinker DeBaliviere High Cost Permits</a:t>
+            </a:r>
+          </a:p>
+        </p:txBody>
+      </p:sp>
       <p:pic xmlns:a="http://schemas.openxmlformats.org/drawingml/2006/main" xmlns:r="http://schemas.openxmlformats.org/officeDocument/2006/relationships" xmlns:p="http://schemas.openxmlformats.org/presentationml/2006/main">
         <p:nvPicPr>
-          <p:cNvPr id="2" name=""/>
+          <p:cNvPr id="3" name="Content Placeholder 2"/>
           <p:cNvPicPr>
             <a:picLocks noGrp="1"/>
           </p:cNvPicPr>
           <p:nvPr>
-            <p:ph/>
+            <p:ph idx="1"/>
           </p:nvPr>
         </p:nvPicPr>
         <p:blipFill>
@@ -9230,8 +9344,8 @@
         </p:blipFill>
         <p:spPr>
           <a:xfrm>
-            <a:off x="0" y="0"/>
-            <a:ext cx="9144000" cy="6858000"/>
+            <a:off x="457200" y="1600200"/>
+            <a:ext cx="4983480" cy="4983480"/>
           </a:xfrm>
         </p:spPr>
       </p:pic>
@@ -9499,7 +9613,7 @@
           <a:p>
             <a:r>
               <a:rPr/>
-              <a:t>Neighborhood Summary</a:t>
+              <a:t>Neighborhood Summary: Average Building Permit Cost</a:t>
             </a:r>
           </a:p>
         </p:txBody>
@@ -13126,14 +13240,41 @@
           <a:chExt cx="0" cy="0"/>
         </a:xfrm>
       </p:grpSpPr>
+      <p:sp xmlns:a="http://schemas.openxmlformats.org/drawingml/2006/main" xmlns:r="http://schemas.openxmlformats.org/officeDocument/2006/relationships" xmlns:p="http://schemas.openxmlformats.org/presentationml/2006/main">
+        <p:nvSpPr>
+          <p:cNvPr id="2" name="Title 1"/>
+          <p:cNvSpPr>
+            <a:spLocks noGrp="1"/>
+          </p:cNvSpPr>
+          <p:nvPr>
+            <p:ph type="title"/>
+          </p:nvPr>
+        </p:nvSpPr>
+        <p:spPr>
+          <a:xfrm>
+            <a:off x="457200" y="274638"/>
+            <a:ext cx="8229600" cy="1143000"/>
+          </a:xfrm>
+        </p:spPr>
+        <p:txBody>
+          <a:bodyPr/>
+          <a:lstStyle/>
+          <a:p>
+            <a:r>
+              <a:rPr/>
+              <a:t>West End High Cost Permits</a:t>
+            </a:r>
+          </a:p>
+        </p:txBody>
+      </p:sp>
       <p:pic xmlns:a="http://schemas.openxmlformats.org/drawingml/2006/main" xmlns:r="http://schemas.openxmlformats.org/officeDocument/2006/relationships" xmlns:p="http://schemas.openxmlformats.org/presentationml/2006/main">
         <p:nvPicPr>
-          <p:cNvPr id="2" name=""/>
+          <p:cNvPr id="3" name="Content Placeholder 2"/>
           <p:cNvPicPr>
             <a:picLocks noGrp="1"/>
           </p:cNvPicPr>
           <p:nvPr>
-            <p:ph/>
+            <p:ph idx="1"/>
           </p:nvPr>
         </p:nvPicPr>
         <p:blipFill>
@@ -13144,8 +13285,8 @@
         </p:blipFill>
         <p:spPr>
           <a:xfrm>
-            <a:off x="0" y="0"/>
-            <a:ext cx="9144000" cy="6858000"/>
+            <a:off x="457200" y="1600200"/>
+            <a:ext cx="4983480" cy="4983480"/>
           </a:xfrm>
         </p:spPr>
       </p:pic>
@@ -13229,19 +13370,19 @@
           <a:p>
             <a:r>
               <a:rPr/>
-              <a:t>NaN change compared to January 2019 (0 total building permits)</a:t>
+              <a:t>0.00% change compared to January 2019 (0 total building permits)</a:t>
             </a:r>
           </a:p>
           <a:p>
             <a:r>
               <a:rPr/>
-              <a:t>NaN : Average building permit cost in Visitation Park in January 2020</a:t>
+              <a:t>$0 : Average building permit cost in Visitation Park in January 2020</a:t>
             </a:r>
           </a:p>
           <a:p>
             <a:r>
               <a:rPr/>
-              <a:t>NaN change compared to January 2019 (NaN)</a:t>
+              <a:t>0.00% change compared to January 2019 ($0)</a:t>
             </a:r>
           </a:p>
         </p:txBody>
@@ -13326,7 +13467,7 @@
           <a:p>
             <a:r>
               <a:rPr/>
-              <a:t>NaN change compared to this time in 2019 (0 total building permits)</a:t>
+              <a:t>0.00% change compared to this time in 2019 (0 total building permits)</a:t>
             </a:r>
           </a:p>
           <a:p>
@@ -13338,7 +13479,7 @@
           <a:p>
             <a:r>
               <a:rPr/>
-              <a:t>NaN change compared to this time in 2019 (NaN)</a:t>
+              <a:t>0.00% change compared to this time in 2019 ($0)</a:t>
             </a:r>
           </a:p>
         </p:txBody>
@@ -17939,14 +18080,41 @@
           <a:chExt cx="0" cy="0"/>
         </a:xfrm>
       </p:grpSpPr>
+      <p:sp xmlns:a="http://schemas.openxmlformats.org/drawingml/2006/main" xmlns:r="http://schemas.openxmlformats.org/officeDocument/2006/relationships" xmlns:p="http://schemas.openxmlformats.org/presentationml/2006/main">
+        <p:nvSpPr>
+          <p:cNvPr id="2" name="Title 1"/>
+          <p:cNvSpPr>
+            <a:spLocks noGrp="1"/>
+          </p:cNvSpPr>
+          <p:nvPr>
+            <p:ph type="title"/>
+          </p:nvPr>
+        </p:nvSpPr>
+        <p:spPr>
+          <a:xfrm>
+            <a:off x="457200" y="274638"/>
+            <a:ext cx="8229600" cy="1143000"/>
+          </a:xfrm>
+        </p:spPr>
+        <p:txBody>
+          <a:bodyPr/>
+          <a:lstStyle/>
+          <a:p>
+            <a:r>
+              <a:rPr/>
+              <a:t>Academy High Cost Permits</a:t>
+            </a:r>
+          </a:p>
+        </p:txBody>
+      </p:sp>
       <p:pic xmlns:a="http://schemas.openxmlformats.org/drawingml/2006/main" xmlns:r="http://schemas.openxmlformats.org/officeDocument/2006/relationships" xmlns:p="http://schemas.openxmlformats.org/presentationml/2006/main">
         <p:nvPicPr>
-          <p:cNvPr id="2" name=""/>
+          <p:cNvPr id="3" name="Content Placeholder 2"/>
           <p:cNvPicPr>
             <a:picLocks noGrp="1"/>
           </p:cNvPicPr>
           <p:nvPr>
-            <p:ph/>
+            <p:ph idx="1"/>
           </p:nvPr>
         </p:nvPicPr>
         <p:blipFill>
@@ -17957,8 +18125,8 @@
         </p:blipFill>
         <p:spPr>
           <a:xfrm>
-            <a:off x="0" y="0"/>
-            <a:ext cx="9144000" cy="6858000"/>
+            <a:off x="457200" y="1600200"/>
+            <a:ext cx="4983480" cy="4983480"/>
           </a:xfrm>
         </p:spPr>
       </p:pic>
@@ -18048,13 +18216,13 @@
           <a:p>
             <a:r>
               <a:rPr/>
-              <a:t>NaN : Average building permit cost in Fountain Park in January 2020</a:t>
+              <a:t>$0 : Average building permit cost in Fountain Park in January 2020</a:t>
             </a:r>
           </a:p>
           <a:p>
             <a:r>
               <a:rPr/>
-              <a:t>NaN change compared to January 2019 ($500)</a:t>
+              <a:t>-100.00% change compared to January 2019 ($500)</a:t>
             </a:r>
           </a:p>
         </p:txBody>
@@ -18151,7 +18319,7 @@
           <a:p>
             <a:r>
               <a:rPr/>
-              <a:t>NaN change compared to this time in 2019 ($500)</a:t>
+              <a:t>0.00% change compared to this time in 2019 ($500)</a:t>
             </a:r>
           </a:p>
         </p:txBody>
@@ -19495,14 +19663,41 @@
           <a:chExt cx="0" cy="0"/>
         </a:xfrm>
       </p:grpSpPr>
+      <p:sp xmlns:a="http://schemas.openxmlformats.org/drawingml/2006/main" xmlns:r="http://schemas.openxmlformats.org/officeDocument/2006/relationships" xmlns:p="http://schemas.openxmlformats.org/presentationml/2006/main">
+        <p:nvSpPr>
+          <p:cNvPr id="2" name="Title 1"/>
+          <p:cNvSpPr>
+            <a:spLocks noGrp="1"/>
+          </p:cNvSpPr>
+          <p:nvPr>
+            <p:ph type="title"/>
+          </p:nvPr>
+        </p:nvSpPr>
+        <p:spPr>
+          <a:xfrm>
+            <a:off x="457200" y="274638"/>
+            <a:ext cx="8229600" cy="1143000"/>
+          </a:xfrm>
+        </p:spPr>
+        <p:txBody>
+          <a:bodyPr/>
+          <a:lstStyle/>
+          <a:p>
+            <a:r>
+              <a:rPr/>
+              <a:t>Lewis Place High Cost Permits</a:t>
+            </a:r>
+          </a:p>
+        </p:txBody>
+      </p:sp>
       <p:pic xmlns:a="http://schemas.openxmlformats.org/drawingml/2006/main" xmlns:r="http://schemas.openxmlformats.org/officeDocument/2006/relationships" xmlns:p="http://schemas.openxmlformats.org/presentationml/2006/main">
         <p:nvPicPr>
-          <p:cNvPr id="2" name=""/>
+          <p:cNvPr id="3" name="Content Placeholder 2"/>
           <p:cNvPicPr>
             <a:picLocks noGrp="1"/>
           </p:cNvPicPr>
           <p:nvPr>
-            <p:ph/>
+            <p:ph idx="1"/>
           </p:nvPr>
         </p:nvPicPr>
         <p:blipFill>
@@ -19513,8 +19708,8 @@
         </p:blipFill>
         <p:spPr>
           <a:xfrm>
-            <a:off x="0" y="0"/>
-            <a:ext cx="9144000" cy="6858000"/>
+            <a:off x="457200" y="1600200"/>
+            <a:ext cx="4983480" cy="4983480"/>
           </a:xfrm>
         </p:spPr>
       </p:pic>
@@ -21399,14 +21594,41 @@
           <a:chExt cx="0" cy="0"/>
         </a:xfrm>
       </p:grpSpPr>
+      <p:sp xmlns:a="http://schemas.openxmlformats.org/drawingml/2006/main" xmlns:r="http://schemas.openxmlformats.org/officeDocument/2006/relationships" xmlns:p="http://schemas.openxmlformats.org/presentationml/2006/main">
+        <p:nvSpPr>
+          <p:cNvPr id="2" name="Title 1"/>
+          <p:cNvSpPr>
+            <a:spLocks noGrp="1"/>
+          </p:cNvSpPr>
+          <p:nvPr>
+            <p:ph type="title"/>
+          </p:nvPr>
+        </p:nvSpPr>
+        <p:spPr>
+          <a:xfrm>
+            <a:off x="457200" y="274638"/>
+            <a:ext cx="8229600" cy="1143000"/>
+          </a:xfrm>
+        </p:spPr>
+        <p:txBody>
+          <a:bodyPr/>
+          <a:lstStyle/>
+          <a:p>
+            <a:r>
+              <a:rPr/>
+              <a:t>Vandeventer High Cost Permits</a:t>
+            </a:r>
+          </a:p>
+        </p:txBody>
+      </p:sp>
       <p:pic xmlns:a="http://schemas.openxmlformats.org/drawingml/2006/main" xmlns:r="http://schemas.openxmlformats.org/officeDocument/2006/relationships" xmlns:p="http://schemas.openxmlformats.org/presentationml/2006/main">
         <p:nvPicPr>
-          <p:cNvPr id="2" name=""/>
+          <p:cNvPr id="3" name="Content Placeholder 2"/>
           <p:cNvPicPr>
             <a:picLocks noGrp="1"/>
           </p:cNvPicPr>
           <p:nvPr>
-            <p:ph/>
+            <p:ph idx="1"/>
           </p:nvPr>
         </p:nvPicPr>
         <p:blipFill>
@@ -21417,8 +21639,8 @@
         </p:blipFill>
         <p:spPr>
           <a:xfrm>
-            <a:off x="0" y="0"/>
-            <a:ext cx="9144000" cy="6858000"/>
+            <a:off x="457200" y="1600200"/>
+            <a:ext cx="4983480" cy="4983480"/>
           </a:xfrm>
         </p:spPr>
       </p:pic>

--- a/results/2020/January/finalreport.pptx
+++ b/results/2020/January/finalreport.pptx
@@ -18313,13 +18313,13 @@
           <a:p>
             <a:r>
               <a:rPr/>
-              <a:t>NaN : Average building permit cost in Fountain Park in 2020</a:t>
+              <a:t>$0 : Average building permit cost in Fountain Park in 2020</a:t>
             </a:r>
           </a:p>
           <a:p>
             <a:r>
               <a:rPr/>
-              <a:t>0.00% change compared to this time in 2019 ($500)</a:t>
+              <a:t>-100.00% change compared to this time in 2019 ($500)</a:t>
             </a:r>
           </a:p>
         </p:txBody>
